--- a/Mini projet Scan/PPT/Scanner.pptx
+++ b/Mini projet Scan/PPT/Scanner.pptx
@@ -9,7 +9,10 @@
     <p:sldId id="258" r:id="rId3"/>
     <p:sldId id="259" r:id="rId4"/>
     <p:sldId id="260" r:id="rId5"/>
-    <p:sldId id="261" r:id="rId6"/>
+    <p:sldId id="262" r:id="rId6"/>
+    <p:sldId id="263" r:id="rId7"/>
+    <p:sldId id="261" r:id="rId8"/>
+    <p:sldId id="264" r:id="rId9"/>
   </p:sldIdLst>
   <p:sldSz cx="9144000" cy="6858000" type="screen4x3"/>
   <p:notesSz cx="6858000" cy="9144000"/>
@@ -418,7 +421,7 @@
             <a:fld id="{DBAF0C11-5189-4EA8-A487-FD07062F0E52}" type="datetimeFigureOut">
               <a:rPr lang="fr-FR" smtClean="0"/>
               <a:pPr/>
-              <a:t>21/11/2021</a:t>
+              <a:t>23/11/2021</a:t>
             </a:fld>
             <a:endParaRPr lang="fr-FR"/>
           </a:p>
@@ -605,7 +608,7 @@
             <a:fld id="{DBAF0C11-5189-4EA8-A487-FD07062F0E52}" type="datetimeFigureOut">
               <a:rPr lang="fr-FR" smtClean="0"/>
               <a:pPr/>
-              <a:t>21/11/2021</a:t>
+              <a:t>23/11/2021</a:t>
             </a:fld>
             <a:endParaRPr lang="fr-FR"/>
           </a:p>
@@ -792,7 +795,7 @@
             <a:fld id="{DBAF0C11-5189-4EA8-A487-FD07062F0E52}" type="datetimeFigureOut">
               <a:rPr lang="fr-FR" smtClean="0"/>
               <a:pPr/>
-              <a:t>21/11/2021</a:t>
+              <a:t>23/11/2021</a:t>
             </a:fld>
             <a:endParaRPr lang="fr-FR"/>
           </a:p>
@@ -979,7 +982,7 @@
             <a:fld id="{DBAF0C11-5189-4EA8-A487-FD07062F0E52}" type="datetimeFigureOut">
               <a:rPr lang="fr-FR" smtClean="0"/>
               <a:pPr/>
-              <a:t>21/11/2021</a:t>
+              <a:t>23/11/2021</a:t>
             </a:fld>
             <a:endParaRPr lang="fr-FR"/>
           </a:p>
@@ -1362,7 +1365,7 @@
             <a:fld id="{DBAF0C11-5189-4EA8-A487-FD07062F0E52}" type="datetimeFigureOut">
               <a:rPr lang="fr-FR" smtClean="0"/>
               <a:pPr/>
-              <a:t>21/11/2021</a:t>
+              <a:t>23/11/2021</a:t>
             </a:fld>
             <a:endParaRPr lang="fr-FR"/>
           </a:p>
@@ -1633,7 +1636,7 @@
             <a:fld id="{DBAF0C11-5189-4EA8-A487-FD07062F0E52}" type="datetimeFigureOut">
               <a:rPr lang="fr-FR" smtClean="0"/>
               <a:pPr/>
-              <a:t>21/11/2021</a:t>
+              <a:t>23/11/2021</a:t>
             </a:fld>
             <a:endParaRPr lang="fr-FR"/>
           </a:p>
@@ -2020,7 +2023,7 @@
             <a:fld id="{DBAF0C11-5189-4EA8-A487-FD07062F0E52}" type="datetimeFigureOut">
               <a:rPr lang="fr-FR" smtClean="0"/>
               <a:pPr/>
-              <a:t>21/11/2021</a:t>
+              <a:t>23/11/2021</a:t>
             </a:fld>
             <a:endParaRPr lang="fr-FR"/>
           </a:p>
@@ -2143,7 +2146,7 @@
             <a:fld id="{DBAF0C11-5189-4EA8-A487-FD07062F0E52}" type="datetimeFigureOut">
               <a:rPr lang="fr-FR" smtClean="0"/>
               <a:pPr/>
-              <a:t>21/11/2021</a:t>
+              <a:t>23/11/2021</a:t>
             </a:fld>
             <a:endParaRPr lang="fr-FR"/>
           </a:p>
@@ -2325,7 +2328,7 @@
             <a:fld id="{DBAF0C11-5189-4EA8-A487-FD07062F0E52}" type="datetimeFigureOut">
               <a:rPr lang="fr-FR" smtClean="0"/>
               <a:pPr/>
-              <a:t>21/11/2021</a:t>
+              <a:t>23/11/2021</a:t>
             </a:fld>
             <a:endParaRPr lang="fr-FR"/>
           </a:p>
@@ -2661,7 +2664,7 @@
             <a:fld id="{DBAF0C11-5189-4EA8-A487-FD07062F0E52}" type="datetimeFigureOut">
               <a:rPr lang="fr-FR" smtClean="0"/>
               <a:pPr/>
-              <a:t>21/11/2021</a:t>
+              <a:t>23/11/2021</a:t>
             </a:fld>
             <a:endParaRPr lang="fr-FR"/>
           </a:p>
@@ -3032,7 +3035,7 @@
             <a:fld id="{DBAF0C11-5189-4EA8-A487-FD07062F0E52}" type="datetimeFigureOut">
               <a:rPr lang="fr-FR" smtClean="0"/>
               <a:pPr/>
-              <a:t>21/11/2021</a:t>
+              <a:t>23/11/2021</a:t>
             </a:fld>
             <a:endParaRPr lang="fr-FR"/>
           </a:p>
@@ -3452,7 +3455,7 @@
             <a:fld id="{DBAF0C11-5189-4EA8-A487-FD07062F0E52}" type="datetimeFigureOut">
               <a:rPr lang="fr-FR" smtClean="0"/>
               <a:pPr/>
-              <a:t>21/11/2021</a:t>
+              <a:t>23/11/2021</a:t>
             </a:fld>
             <a:endParaRPr lang="fr-FR"/>
           </a:p>
@@ -3945,19 +3948,7 @@
           <a:p>
             <a:r>
               <a:rPr lang="fr-FR" dirty="0" smtClean="0"/>
-              <a:t>Objectif : </a:t>
-            </a:r>
-            <a:r>
-              <a:rPr lang="fr-FR" dirty="0" smtClean="0"/>
-              <a:t>Générer un code </a:t>
-            </a:r>
-            <a:r>
-              <a:rPr lang="fr-FR" dirty="0" smtClean="0"/>
-              <a:t>barre/QR code permettant </a:t>
-            </a:r>
-            <a:r>
-              <a:rPr lang="fr-FR" dirty="0" smtClean="0"/>
-              <a:t>de remplacer la carte d’identité et récolter les informations puis transmettre sur le site web.</a:t>
+              <a:t>Objectif : Générer un code barre/QR code permettant de remplacer la carte d’identité et récolter les informations puis transmettre sur le site web.</a:t>
             </a:r>
           </a:p>
           <a:p>
@@ -4206,6 +4197,13 @@
   <p:clrMapOvr>
     <a:masterClrMapping/>
   </p:clrMapOvr>
+  <p:timing>
+    <p:tnLst>
+      <p:par>
+        <p:cTn id="1" dur="indefinite" restart="never" nodeType="tmRoot"/>
+      </p:par>
+    </p:tnLst>
+  </p:timing>
 </p:sld>
 </file>
 
@@ -4277,9 +4275,8 @@
           <a:p>
             <a:r>
               <a:rPr lang="fr-FR" sz="2400" dirty="0" smtClean="0"/>
-              <a:t>Création d’une interface.</a:t>
-            </a:r>
-            <a:endParaRPr lang="fr-FR" sz="2400" dirty="0" smtClean="0"/>
+              <a:t>Création d’une interface (site Web)</a:t>
+            </a:r>
           </a:p>
           <a:p>
             <a:endParaRPr lang="fr-FR" dirty="0" smtClean="0"/>
@@ -4287,13 +4284,16 @@
           <a:p>
             <a:r>
               <a:rPr lang="fr-FR" sz="2400" dirty="0" smtClean="0"/>
-              <a:t>Création d’une base de Donnée</a:t>
+              <a:t>Création d’une base de Donnée  (</a:t>
+            </a:r>
+            <a:r>
+              <a:rPr lang="fr-FR" sz="2400" dirty="0" err="1" smtClean="0"/>
+              <a:t>phpmyadmin</a:t>
             </a:r>
             <a:r>
               <a:rPr lang="fr-FR" sz="2400" dirty="0" smtClean="0"/>
-              <a:t>.</a:t>
-            </a:r>
-            <a:endParaRPr lang="fr-FR" sz="2400" dirty="0" smtClean="0"/>
+              <a:t>)</a:t>
+            </a:r>
           </a:p>
           <a:p>
             <a:endParaRPr lang="fr-FR" sz="2400" dirty="0" smtClean="0"/>
@@ -4303,7 +4303,6 @@
               <a:rPr lang="fr-FR" sz="2400" dirty="0" smtClean="0"/>
               <a:t>Générer un QR Code à partir des données </a:t>
             </a:r>
-            <a:endParaRPr lang="fr-FR" sz="2400" dirty="0" smtClean="0"/>
           </a:p>
         </p:txBody>
       </p:sp>
@@ -4312,6 +4311,13 @@
   <p:clrMapOvr>
     <a:masterClrMapping/>
   </p:clrMapOvr>
+  <p:timing>
+    <p:tnLst>
+      <p:par>
+        <p:cTn id="1" dur="indefinite" restart="never" nodeType="tmRoot"/>
+      </p:par>
+    </p:tnLst>
+  </p:timing>
 </p:sld>
 </file>
 
@@ -4372,15 +4378,15 @@
         </p:nvPicPr>
         <p:blipFill>
           <a:blip r:embed="rId2"/>
-          <a:srcRect/>
+          <a:srcRect l="9563"/>
           <a:stretch>
             <a:fillRect/>
           </a:stretch>
         </p:blipFill>
         <p:spPr bwMode="auto">
           <a:xfrm>
-            <a:off x="503238" y="1991916"/>
-            <a:ext cx="8183562" cy="1865712"/>
+            <a:off x="571472" y="1928802"/>
+            <a:ext cx="8032958" cy="2000264"/>
           </a:xfrm>
           <a:prstGeom prst="rect">
             <a:avLst/>
@@ -4400,6 +4406,13 @@
   <p:clrMapOvr>
     <a:masterClrMapping/>
   </p:clrMapOvr>
+  <p:timing>
+    <p:tnLst>
+      <p:par>
+        <p:cTn id="1" dur="indefinite" restart="never" nodeType="tmRoot"/>
+      </p:par>
+    </p:tnLst>
+  </p:timing>
 </p:sld>
 </file>
 
@@ -4460,54 +4473,155 @@
         </p:nvSpPr>
         <p:spPr/>
         <p:txBody>
-          <a:bodyPr/>
+          <a:bodyPr>
+            <a:normAutofit/>
+          </a:bodyPr>
           <a:lstStyle/>
           <a:p>
-            <a:endParaRPr lang="fr-FR" sz="2400" dirty="0" smtClean="0"/>
-          </a:p>
-          <a:p>
-            <a:r>
-              <a:rPr lang="fr-FR" sz="2400" dirty="0" smtClean="0"/>
+            <a:endParaRPr lang="fr-FR" sz="1800" dirty="0" smtClean="0"/>
+          </a:p>
+          <a:p>
+            <a:r>
+              <a:rPr lang="fr-FR" sz="1800" dirty="0" smtClean="0"/>
               <a:t>Recherche sur le matériel et son fonctionnement</a:t>
             </a:r>
           </a:p>
           <a:p>
-            <a:endParaRPr lang="fr-FR" sz="2400" dirty="0" smtClean="0"/>
-          </a:p>
-          <a:p>
-            <a:r>
-              <a:rPr lang="fr-FR" sz="2400" dirty="0" smtClean="0"/>
-              <a:t>Développer un </a:t>
-            </a:r>
-            <a:r>
-              <a:rPr lang="fr-FR" sz="2400" dirty="0" smtClean="0"/>
-              <a:t>code pour générer un QR code</a:t>
-            </a:r>
-            <a:endParaRPr lang="fr-FR" sz="2400" dirty="0" smtClean="0"/>
-          </a:p>
-          <a:p>
-            <a:endParaRPr lang="fr-FR" sz="2400" dirty="0" smtClean="0"/>
-          </a:p>
-          <a:p>
-            <a:r>
-              <a:rPr lang="fr-FR" sz="2400" dirty="0" smtClean="0"/>
-              <a:t>Création de la base de données </a:t>
-            </a:r>
+            <a:endParaRPr lang="fr-FR" sz="1800" dirty="0" smtClean="0"/>
+          </a:p>
+          <a:p>
+            <a:r>
+              <a:rPr lang="fr-FR" sz="1800" dirty="0" smtClean="0"/>
+              <a:t>Développer un code pour générer un QR code</a:t>
+            </a:r>
+          </a:p>
+          <a:p>
+            <a:endParaRPr lang="fr-FR" sz="1800" dirty="0" smtClean="0"/>
+          </a:p>
+          <a:p>
+            <a:r>
+              <a:rPr lang="fr-FR" sz="1800" dirty="0" smtClean="0"/>
+              <a:t>Création de la base de données (sous </a:t>
+            </a:r>
+            <a:r>
+              <a:rPr lang="fr-FR" sz="1800" dirty="0" err="1" smtClean="0"/>
+              <a:t>phpmyadmin</a:t>
+            </a:r>
+            <a:r>
+              <a:rPr lang="fr-FR" sz="1800" dirty="0" smtClean="0"/>
+              <a:t> </a:t>
+            </a:r>
+            <a:r>
+              <a:rPr lang="fr-FR" sz="500" dirty="0" smtClean="0"/>
+              <a:t>XAMPP</a:t>
+            </a:r>
+            <a:r>
+              <a:rPr lang="fr-FR" sz="1800" dirty="0" smtClean="0"/>
+              <a:t>)</a:t>
+            </a:r>
+          </a:p>
+          <a:p>
+            <a:endParaRPr lang="fr-FR" sz="1800" dirty="0" smtClean="0"/>
           </a:p>
           <a:p>
             <a:pPr>
               <a:buNone/>
             </a:pPr>
-            <a:endParaRPr lang="fr-FR" sz="2400" dirty="0" smtClean="0"/>
-          </a:p>
-          <a:p>
-            <a:r>
-              <a:rPr lang="fr-FR" sz="2400" dirty="0" smtClean="0"/>
-              <a:t>Création de l’interface</a:t>
-            </a:r>
+            <a:endParaRPr lang="fr-FR" sz="1800" dirty="0" smtClean="0"/>
+          </a:p>
+          <a:p>
+            <a:endParaRPr lang="fr-FR" sz="1800" dirty="0" smtClean="0"/>
+          </a:p>
+          <a:p>
+            <a:endParaRPr lang="fr-FR" sz="1800" dirty="0" smtClean="0"/>
+          </a:p>
+          <a:p>
+            <a:endParaRPr lang="fr-FR" sz="1800" dirty="0" smtClean="0"/>
+          </a:p>
+          <a:p>
+            <a:endParaRPr lang="fr-FR" sz="1800" dirty="0" smtClean="0"/>
+          </a:p>
+          <a:p>
+            <a:endParaRPr lang="fr-FR" sz="1800" dirty="0" smtClean="0"/>
+          </a:p>
+          <a:p>
+            <a:endParaRPr lang="fr-FR" sz="1800" dirty="0" smtClean="0"/>
           </a:p>
           <a:p>
             <a:endParaRPr lang="fr-FR" dirty="0"/>
+          </a:p>
+        </p:txBody>
+      </p:sp>
+      <p:pic>
+        <p:nvPicPr>
+          <p:cNvPr id="4" name="Image 3" descr="phpmyadmin.png"/>
+          <p:cNvPicPr>
+            <a:picLocks noChangeAspect="1"/>
+          </p:cNvPicPr>
+          <p:nvPr/>
+        </p:nvPicPr>
+        <p:blipFill>
+          <a:blip r:embed="rId2">
+            <a:lum bright="-10000" contrast="20000"/>
+          </a:blip>
+          <a:srcRect r="22739" b="45679"/>
+          <a:stretch>
+            <a:fillRect/>
+          </a:stretch>
+        </p:blipFill>
+        <p:spPr>
+          <a:xfrm>
+            <a:off x="1071538" y="2571744"/>
+            <a:ext cx="6930225" cy="2643206"/>
+          </a:xfrm>
+          <a:prstGeom prst="rect">
+            <a:avLst/>
+          </a:prstGeom>
+        </p:spPr>
+      </p:pic>
+      <p:sp>
+        <p:nvSpPr>
+          <p:cNvPr id="5" name="Rectangle 4"/>
+          <p:cNvSpPr/>
+          <p:nvPr/>
+        </p:nvSpPr>
+        <p:spPr>
+          <a:xfrm>
+            <a:off x="1214414" y="3571876"/>
+            <a:ext cx="142876" cy="71438"/>
+          </a:xfrm>
+          <a:prstGeom prst="rect">
+            <a:avLst/>
+          </a:prstGeom>
+          <a:noFill/>
+          <a:ln w="3175">
+            <a:solidFill>
+              <a:schemeClr val="accent1"/>
+            </a:solidFill>
+          </a:ln>
+        </p:spPr>
+        <p:style>
+          <a:lnRef idx="2">
+            <a:schemeClr val="accent1">
+              <a:shade val="50000"/>
+            </a:schemeClr>
+          </a:lnRef>
+          <a:fillRef idx="1">
+            <a:schemeClr val="accent1"/>
+          </a:fillRef>
+          <a:effectRef idx="0">
+            <a:schemeClr val="accent1"/>
+          </a:effectRef>
+          <a:fontRef idx="minor">
+            <a:schemeClr val="lt1"/>
+          </a:fontRef>
+        </p:style>
+        <p:txBody>
+          <a:bodyPr rtlCol="0" anchor="ctr"/>
+          <a:lstStyle/>
+          <a:p>
+            <a:pPr algn="ctr"/>
+            <a:endParaRPr lang="fr-FR"/>
           </a:p>
         </p:txBody>
       </p:sp>
@@ -4516,6 +4630,13 @@
   <p:clrMapOvr>
     <a:masterClrMapping/>
   </p:clrMapOvr>
+  <p:timing>
+    <p:tnLst>
+      <p:par>
+        <p:cTn id="1" dur="indefinite" restart="never" nodeType="tmRoot"/>
+      </p:par>
+    </p:tnLst>
+  </p:timing>
 </p:sld>
 </file>
 
@@ -4548,7 +4669,7 @@
         </p:nvSpPr>
         <p:spPr>
           <a:xfrm>
-            <a:off x="500034" y="4786322"/>
+            <a:off x="500034" y="5286388"/>
             <a:ext cx="8183880" cy="1051560"/>
           </a:xfrm>
         </p:spPr>
@@ -4558,7 +4679,7 @@
           <a:p>
             <a:r>
               <a:rPr lang="fr-FR" dirty="0" smtClean="0"/>
-              <a:t>Problème &amp; Résolution</a:t>
+              <a:t>Recherche &amp; Développement</a:t>
             </a:r>
             <a:endParaRPr lang="fr-FR" dirty="0"/>
           </a:p>
@@ -4576,44 +4697,761 @@
         </p:nvSpPr>
         <p:spPr/>
         <p:txBody>
-          <a:bodyPr/>
+          <a:bodyPr>
+            <a:normAutofit/>
+          </a:bodyPr>
           <a:lstStyle/>
           <a:p>
-            <a:endParaRPr lang="fr-FR" sz="2400" dirty="0" smtClean="0"/>
-          </a:p>
-          <a:p>
-            <a:endParaRPr lang="fr-FR" sz="2400" dirty="0" smtClean="0"/>
-          </a:p>
-          <a:p>
-            <a:endParaRPr lang="fr-FR" sz="2400" dirty="0" smtClean="0"/>
-          </a:p>
-          <a:p>
-            <a:r>
-              <a:rPr lang="fr-FR" sz="2400" dirty="0" smtClean="0"/>
-              <a:t>Code en .</a:t>
-            </a:r>
-            <a:r>
-              <a:rPr lang="fr-FR" sz="2400" dirty="0" err="1" smtClean="0"/>
-              <a:t>php</a:t>
-            </a:r>
-            <a:r>
-              <a:rPr lang="fr-FR" sz="2400" dirty="0" smtClean="0"/>
-              <a:t> pour générer un code pour l’utilisateur</a:t>
-            </a:r>
-          </a:p>
-          <a:p>
-            <a:endParaRPr lang="fr-FR" sz="2400" dirty="0" smtClean="0"/>
+            <a:r>
+              <a:rPr lang="fr-FR" sz="1800" dirty="0" smtClean="0"/>
+              <a:t>Création de l’interface </a:t>
+            </a:r>
+          </a:p>
+          <a:p>
+            <a:endParaRPr lang="fr-FR" sz="1800" dirty="0" smtClean="0"/>
+          </a:p>
+          <a:p>
+            <a:pPr>
+              <a:buNone/>
+            </a:pPr>
+            <a:endParaRPr lang="fr-FR" sz="1800" dirty="0" smtClean="0"/>
+          </a:p>
+          <a:p>
+            <a:endParaRPr lang="fr-FR" sz="1800" dirty="0" smtClean="0"/>
+          </a:p>
+          <a:p>
+            <a:endParaRPr lang="fr-FR" sz="1800" dirty="0" smtClean="0"/>
+          </a:p>
+          <a:p>
+            <a:endParaRPr lang="fr-FR" sz="1800" dirty="0" smtClean="0"/>
+          </a:p>
+          <a:p>
+            <a:endParaRPr lang="fr-FR" sz="1800" dirty="0" smtClean="0"/>
+          </a:p>
+          <a:p>
+            <a:endParaRPr lang="fr-FR" sz="1800" dirty="0" smtClean="0"/>
+          </a:p>
+          <a:p>
+            <a:endParaRPr lang="fr-FR" sz="1800" dirty="0" smtClean="0"/>
           </a:p>
           <a:p>
             <a:endParaRPr lang="fr-FR" dirty="0"/>
           </a:p>
         </p:txBody>
       </p:sp>
+      <p:pic>
+        <p:nvPicPr>
+          <p:cNvPr id="5" name="Image 4" descr="accueil.png"/>
+          <p:cNvPicPr>
+            <a:picLocks noChangeAspect="1"/>
+          </p:cNvPicPr>
+          <p:nvPr/>
+        </p:nvPicPr>
+        <p:blipFill>
+          <a:blip r:embed="rId2" cstate="print"/>
+          <a:stretch>
+            <a:fillRect/>
+          </a:stretch>
+        </p:blipFill>
+        <p:spPr>
+          <a:xfrm>
+            <a:off x="642910" y="1000108"/>
+            <a:ext cx="3946914" cy="2143140"/>
+          </a:xfrm>
+          <a:prstGeom prst="rect">
+            <a:avLst/>
+          </a:prstGeom>
+        </p:spPr>
+      </p:pic>
+      <p:pic>
+        <p:nvPicPr>
+          <p:cNvPr id="6" name="Image 5" descr="génerer un code qr.png"/>
+          <p:cNvPicPr>
+            <a:picLocks noChangeAspect="1"/>
+          </p:cNvPicPr>
+          <p:nvPr/>
+        </p:nvPicPr>
+        <p:blipFill>
+          <a:blip r:embed="rId3"/>
+          <a:stretch>
+            <a:fillRect/>
+          </a:stretch>
+        </p:blipFill>
+        <p:spPr>
+          <a:xfrm>
+            <a:off x="2571736" y="2357430"/>
+            <a:ext cx="5925090" cy="3214710"/>
+          </a:xfrm>
+          <a:prstGeom prst="rect">
+            <a:avLst/>
+          </a:prstGeom>
+        </p:spPr>
+      </p:pic>
     </p:spTree>
   </p:cSld>
   <p:clrMapOvr>
     <a:masterClrMapping/>
   </p:clrMapOvr>
+  <p:timing>
+    <p:tnLst>
+      <p:par>
+        <p:cTn id="1" dur="indefinite" restart="never" nodeType="tmRoot"/>
+      </p:par>
+    </p:tnLst>
+  </p:timing>
+</p:sld>
+</file>
+
+<file path=ppt/slides/slide6.xml><?xml version="1.0" encoding="utf-8"?>
+<p:sld xmlns:a="http://schemas.openxmlformats.org/drawingml/2006/main" xmlns:r="http://schemas.openxmlformats.org/officeDocument/2006/relationships" xmlns:p="http://schemas.openxmlformats.org/presentationml/2006/main">
+  <p:cSld>
+    <p:spTree>
+      <p:nvGrpSpPr>
+        <p:cNvPr id="1" name=""/>
+        <p:cNvGrpSpPr/>
+        <p:nvPr/>
+      </p:nvGrpSpPr>
+      <p:grpSpPr>
+        <a:xfrm>
+          <a:off x="0" y="0"/>
+          <a:ext cx="0" cy="0"/>
+          <a:chOff x="0" y="0"/>
+          <a:chExt cx="0" cy="0"/>
+        </a:xfrm>
+      </p:grpSpPr>
+      <p:sp>
+        <p:nvSpPr>
+          <p:cNvPr id="2" name="Titre 1"/>
+          <p:cNvSpPr>
+            <a:spLocks noGrp="1"/>
+          </p:cNvSpPr>
+          <p:nvPr>
+            <p:ph type="title"/>
+          </p:nvPr>
+        </p:nvSpPr>
+        <p:spPr>
+          <a:xfrm>
+            <a:off x="500034" y="5286388"/>
+            <a:ext cx="8183880" cy="1051560"/>
+          </a:xfrm>
+        </p:spPr>
+        <p:txBody>
+          <a:bodyPr/>
+          <a:lstStyle/>
+          <a:p>
+            <a:r>
+              <a:rPr lang="fr-FR" dirty="0" smtClean="0"/>
+              <a:t>Recherche &amp; Développement</a:t>
+            </a:r>
+            <a:endParaRPr lang="fr-FR" dirty="0"/>
+          </a:p>
+        </p:txBody>
+      </p:sp>
+      <p:sp>
+        <p:nvSpPr>
+          <p:cNvPr id="3" name="Espace réservé du contenu 2"/>
+          <p:cNvSpPr>
+            <a:spLocks noGrp="1"/>
+          </p:cNvSpPr>
+          <p:nvPr>
+            <p:ph idx="1"/>
+          </p:nvPr>
+        </p:nvSpPr>
+        <p:spPr/>
+        <p:txBody>
+          <a:bodyPr>
+            <a:normAutofit/>
+          </a:bodyPr>
+          <a:lstStyle/>
+          <a:p>
+            <a:r>
+              <a:rPr lang="fr-FR" sz="1800" dirty="0" smtClean="0"/>
+              <a:t>Création de l’interface </a:t>
+            </a:r>
+          </a:p>
+          <a:p>
+            <a:endParaRPr lang="fr-FR" sz="1800" dirty="0" smtClean="0"/>
+          </a:p>
+          <a:p>
+            <a:pPr>
+              <a:buNone/>
+            </a:pPr>
+            <a:endParaRPr lang="fr-FR" sz="1800" dirty="0" smtClean="0"/>
+          </a:p>
+          <a:p>
+            <a:endParaRPr lang="fr-FR" sz="1800" dirty="0" smtClean="0"/>
+          </a:p>
+          <a:p>
+            <a:endParaRPr lang="fr-FR" sz="1800" dirty="0" smtClean="0"/>
+          </a:p>
+          <a:p>
+            <a:endParaRPr lang="fr-FR" sz="1800" dirty="0" smtClean="0"/>
+          </a:p>
+          <a:p>
+            <a:endParaRPr lang="fr-FR" sz="1800" dirty="0" smtClean="0"/>
+          </a:p>
+          <a:p>
+            <a:endParaRPr lang="fr-FR" sz="1800" dirty="0" smtClean="0"/>
+          </a:p>
+          <a:p>
+            <a:endParaRPr lang="fr-FR" sz="1800" dirty="0" smtClean="0"/>
+          </a:p>
+          <a:p>
+            <a:endParaRPr lang="fr-FR" dirty="0"/>
+          </a:p>
+        </p:txBody>
+      </p:sp>
+      <p:pic>
+        <p:nvPicPr>
+          <p:cNvPr id="7" name="Image 6" descr="données.png"/>
+          <p:cNvPicPr>
+            <a:picLocks noChangeAspect="1"/>
+          </p:cNvPicPr>
+          <p:nvPr/>
+        </p:nvPicPr>
+        <p:blipFill>
+          <a:blip r:embed="rId2"/>
+          <a:stretch>
+            <a:fillRect/>
+          </a:stretch>
+        </p:blipFill>
+        <p:spPr>
+          <a:xfrm>
+            <a:off x="571472" y="1071546"/>
+            <a:ext cx="8063461" cy="4357718"/>
+          </a:xfrm>
+          <a:prstGeom prst="rect">
+            <a:avLst/>
+          </a:prstGeom>
+        </p:spPr>
+      </p:pic>
+      <p:sp>
+        <p:nvSpPr>
+          <p:cNvPr id="8" name="ZoneTexte 7"/>
+          <p:cNvSpPr txBox="1"/>
+          <p:nvPr/>
+        </p:nvSpPr>
+        <p:spPr>
+          <a:xfrm>
+            <a:off x="5572132" y="2428868"/>
+            <a:ext cx="1214446" cy="200055"/>
+          </a:xfrm>
+          <a:prstGeom prst="rect">
+            <a:avLst/>
+          </a:prstGeom>
+          <a:noFill/>
+        </p:spPr>
+        <p:txBody>
+          <a:bodyPr wrap="square" rtlCol="0">
+            <a:spAutoFit/>
+          </a:bodyPr>
+          <a:lstStyle/>
+          <a:p>
+            <a:r>
+              <a:rPr lang="fr-FR" sz="700" dirty="0" smtClean="0">
+                <a:solidFill>
+                  <a:schemeClr val="bg1"/>
+                </a:solidFill>
+              </a:rPr>
+              <a:t>BHAVSAR</a:t>
+            </a:r>
+            <a:endParaRPr lang="fr-FR" sz="700" dirty="0">
+              <a:solidFill>
+                <a:schemeClr val="bg1"/>
+              </a:solidFill>
+            </a:endParaRPr>
+          </a:p>
+        </p:txBody>
+      </p:sp>
+      <p:sp>
+        <p:nvSpPr>
+          <p:cNvPr id="9" name="ZoneTexte 8"/>
+          <p:cNvSpPr txBox="1"/>
+          <p:nvPr/>
+        </p:nvSpPr>
+        <p:spPr>
+          <a:xfrm>
+            <a:off x="5715008" y="2643182"/>
+            <a:ext cx="1214446" cy="200055"/>
+          </a:xfrm>
+          <a:prstGeom prst="rect">
+            <a:avLst/>
+          </a:prstGeom>
+          <a:noFill/>
+        </p:spPr>
+        <p:txBody>
+          <a:bodyPr wrap="square" rtlCol="0">
+            <a:spAutoFit/>
+          </a:bodyPr>
+          <a:lstStyle/>
+          <a:p>
+            <a:r>
+              <a:rPr lang="fr-FR" sz="700" dirty="0" smtClean="0">
+                <a:solidFill>
+                  <a:schemeClr val="bg1"/>
+                </a:solidFill>
+              </a:rPr>
+              <a:t>Aakash</a:t>
+            </a:r>
+            <a:endParaRPr lang="fr-FR" sz="700" dirty="0">
+              <a:solidFill>
+                <a:schemeClr val="bg1"/>
+              </a:solidFill>
+            </a:endParaRPr>
+          </a:p>
+        </p:txBody>
+      </p:sp>
+      <p:sp>
+        <p:nvSpPr>
+          <p:cNvPr id="10" name="ZoneTexte 9"/>
+          <p:cNvSpPr txBox="1"/>
+          <p:nvPr/>
+        </p:nvSpPr>
+        <p:spPr>
+          <a:xfrm>
+            <a:off x="6072198" y="2928934"/>
+            <a:ext cx="1214446" cy="200055"/>
+          </a:xfrm>
+          <a:prstGeom prst="rect">
+            <a:avLst/>
+          </a:prstGeom>
+          <a:noFill/>
+        </p:spPr>
+        <p:txBody>
+          <a:bodyPr wrap="square" rtlCol="0">
+            <a:spAutoFit/>
+          </a:bodyPr>
+          <a:lstStyle/>
+          <a:p>
+            <a:r>
+              <a:rPr lang="fr-FR" sz="700" dirty="0" smtClean="0">
+                <a:solidFill>
+                  <a:schemeClr val="bg1"/>
+                </a:solidFill>
+              </a:rPr>
+              <a:t>JJ/MM/AAAA</a:t>
+            </a:r>
+            <a:endParaRPr lang="fr-FR" sz="700" dirty="0">
+              <a:solidFill>
+                <a:schemeClr val="bg1"/>
+              </a:solidFill>
+            </a:endParaRPr>
+          </a:p>
+        </p:txBody>
+      </p:sp>
+      <p:sp>
+        <p:nvSpPr>
+          <p:cNvPr id="11" name="ZoneTexte 10"/>
+          <p:cNvSpPr txBox="1"/>
+          <p:nvPr/>
+        </p:nvSpPr>
+        <p:spPr>
+          <a:xfrm>
+            <a:off x="6072198" y="3143248"/>
+            <a:ext cx="1214446" cy="200055"/>
+          </a:xfrm>
+          <a:prstGeom prst="rect">
+            <a:avLst/>
+          </a:prstGeom>
+          <a:noFill/>
+        </p:spPr>
+        <p:txBody>
+          <a:bodyPr wrap="square" rtlCol="0">
+            <a:spAutoFit/>
+          </a:bodyPr>
+          <a:lstStyle/>
+          <a:p>
+            <a:r>
+              <a:rPr lang="fr-FR" sz="700" dirty="0" smtClean="0">
+                <a:solidFill>
+                  <a:schemeClr val="bg1"/>
+                </a:solidFill>
+              </a:rPr>
+              <a:t>FRANCE</a:t>
+            </a:r>
+            <a:endParaRPr lang="fr-FR" sz="700" dirty="0">
+              <a:solidFill>
+                <a:schemeClr val="bg1"/>
+              </a:solidFill>
+            </a:endParaRPr>
+          </a:p>
+        </p:txBody>
+      </p:sp>
+      <p:sp>
+        <p:nvSpPr>
+          <p:cNvPr id="12" name="ZoneTexte 11"/>
+          <p:cNvSpPr txBox="1"/>
+          <p:nvPr/>
+        </p:nvSpPr>
+        <p:spPr>
+          <a:xfrm>
+            <a:off x="2786050" y="3643314"/>
+            <a:ext cx="3000396" cy="200055"/>
+          </a:xfrm>
+          <a:prstGeom prst="rect">
+            <a:avLst/>
+          </a:prstGeom>
+          <a:noFill/>
+        </p:spPr>
+        <p:txBody>
+          <a:bodyPr wrap="square" rtlCol="0">
+            <a:spAutoFit/>
+          </a:bodyPr>
+          <a:lstStyle/>
+          <a:p>
+            <a:r>
+              <a:rPr lang="fr-FR" sz="700" dirty="0" smtClean="0">
+                <a:solidFill>
+                  <a:schemeClr val="bg1"/>
+                </a:solidFill>
+              </a:rPr>
+              <a:t>173 Boulevard de Strasbourg, Nogent sur Marne</a:t>
+            </a:r>
+            <a:endParaRPr lang="fr-FR" sz="700" dirty="0">
+              <a:solidFill>
+                <a:schemeClr val="bg1"/>
+              </a:solidFill>
+            </a:endParaRPr>
+          </a:p>
+        </p:txBody>
+      </p:sp>
+      <p:sp>
+        <p:nvSpPr>
+          <p:cNvPr id="13" name="ZoneTexte 12"/>
+          <p:cNvSpPr txBox="1"/>
+          <p:nvPr/>
+        </p:nvSpPr>
+        <p:spPr>
+          <a:xfrm>
+            <a:off x="2643174" y="3929066"/>
+            <a:ext cx="3000396" cy="200055"/>
+          </a:xfrm>
+          <a:prstGeom prst="rect">
+            <a:avLst/>
+          </a:prstGeom>
+          <a:noFill/>
+        </p:spPr>
+        <p:txBody>
+          <a:bodyPr wrap="square" rtlCol="0">
+            <a:spAutoFit/>
+          </a:bodyPr>
+          <a:lstStyle/>
+          <a:p>
+            <a:r>
+              <a:rPr lang="fr-FR" sz="700" dirty="0" smtClean="0">
+                <a:solidFill>
+                  <a:schemeClr val="bg1"/>
+                </a:solidFill>
+              </a:rPr>
+              <a:t>aakash@gmail.com</a:t>
+            </a:r>
+            <a:endParaRPr lang="fr-FR" sz="700" dirty="0">
+              <a:solidFill>
+                <a:schemeClr val="bg1"/>
+              </a:solidFill>
+            </a:endParaRPr>
+          </a:p>
+        </p:txBody>
+      </p:sp>
+      <p:sp>
+        <p:nvSpPr>
+          <p:cNvPr id="14" name="ZoneTexte 13"/>
+          <p:cNvSpPr txBox="1"/>
+          <p:nvPr/>
+        </p:nvSpPr>
+        <p:spPr>
+          <a:xfrm>
+            <a:off x="2786050" y="4143380"/>
+            <a:ext cx="3000396" cy="200055"/>
+          </a:xfrm>
+          <a:prstGeom prst="rect">
+            <a:avLst/>
+          </a:prstGeom>
+          <a:noFill/>
+        </p:spPr>
+        <p:txBody>
+          <a:bodyPr wrap="square" rtlCol="0">
+            <a:spAutoFit/>
+          </a:bodyPr>
+          <a:lstStyle/>
+          <a:p>
+            <a:r>
+              <a:rPr lang="fr-FR" sz="700" dirty="0" smtClean="0">
+                <a:solidFill>
+                  <a:schemeClr val="bg1"/>
+                </a:solidFill>
+              </a:rPr>
+              <a:t>0X XX XX XX XX</a:t>
+            </a:r>
+            <a:endParaRPr lang="fr-FR" sz="700" dirty="0">
+              <a:solidFill>
+                <a:schemeClr val="bg1"/>
+              </a:solidFill>
+            </a:endParaRPr>
+          </a:p>
+        </p:txBody>
+      </p:sp>
+      <p:sp>
+        <p:nvSpPr>
+          <p:cNvPr id="15" name="ZoneTexte 14"/>
+          <p:cNvSpPr txBox="1"/>
+          <p:nvPr/>
+        </p:nvSpPr>
+        <p:spPr>
+          <a:xfrm>
+            <a:off x="3071802" y="4643446"/>
+            <a:ext cx="1214446" cy="200055"/>
+          </a:xfrm>
+          <a:prstGeom prst="rect">
+            <a:avLst/>
+          </a:prstGeom>
+          <a:noFill/>
+        </p:spPr>
+        <p:txBody>
+          <a:bodyPr wrap="square" rtlCol="0">
+            <a:spAutoFit/>
+          </a:bodyPr>
+          <a:lstStyle/>
+          <a:p>
+            <a:r>
+              <a:rPr lang="fr-FR" sz="700" dirty="0" smtClean="0">
+                <a:solidFill>
+                  <a:schemeClr val="bg1"/>
+                </a:solidFill>
+              </a:rPr>
+              <a:t>JJ/MM/AAAA</a:t>
+            </a:r>
+            <a:endParaRPr lang="fr-FR" sz="700" dirty="0">
+              <a:solidFill>
+                <a:schemeClr val="bg1"/>
+              </a:solidFill>
+            </a:endParaRPr>
+          </a:p>
+        </p:txBody>
+      </p:sp>
+      <p:sp>
+        <p:nvSpPr>
+          <p:cNvPr id="16" name="ZoneTexte 15"/>
+          <p:cNvSpPr txBox="1"/>
+          <p:nvPr/>
+        </p:nvSpPr>
+        <p:spPr>
+          <a:xfrm>
+            <a:off x="6072198" y="4643446"/>
+            <a:ext cx="785818" cy="200055"/>
+          </a:xfrm>
+          <a:prstGeom prst="rect">
+            <a:avLst/>
+          </a:prstGeom>
+          <a:noFill/>
+        </p:spPr>
+        <p:txBody>
+          <a:bodyPr wrap="square" rtlCol="0">
+            <a:spAutoFit/>
+          </a:bodyPr>
+          <a:lstStyle/>
+          <a:p>
+            <a:r>
+              <a:rPr lang="fr-FR" sz="700" dirty="0" smtClean="0">
+                <a:solidFill>
+                  <a:schemeClr val="bg1"/>
+                </a:solidFill>
+              </a:rPr>
+              <a:t>JJ/MM/AAAA</a:t>
+            </a:r>
+            <a:endParaRPr lang="fr-FR" sz="700" dirty="0">
+              <a:solidFill>
+                <a:schemeClr val="bg1"/>
+              </a:solidFill>
+            </a:endParaRPr>
+          </a:p>
+        </p:txBody>
+      </p:sp>
+    </p:spTree>
+  </p:cSld>
+  <p:clrMapOvr>
+    <a:masterClrMapping/>
+  </p:clrMapOvr>
+  <p:timing>
+    <p:tnLst>
+      <p:par>
+        <p:cTn id="1" dur="indefinite" restart="never" nodeType="tmRoot"/>
+      </p:par>
+    </p:tnLst>
+  </p:timing>
+</p:sld>
+</file>
+
+<file path=ppt/slides/slide7.xml><?xml version="1.0" encoding="utf-8"?>
+<p:sld xmlns:a="http://schemas.openxmlformats.org/drawingml/2006/main" xmlns:r="http://schemas.openxmlformats.org/officeDocument/2006/relationships" xmlns:p="http://schemas.openxmlformats.org/presentationml/2006/main">
+  <p:cSld>
+    <p:spTree>
+      <p:nvGrpSpPr>
+        <p:cNvPr id="1" name=""/>
+        <p:cNvGrpSpPr/>
+        <p:nvPr/>
+      </p:nvGrpSpPr>
+      <p:grpSpPr>
+        <a:xfrm>
+          <a:off x="0" y="0"/>
+          <a:ext cx="0" cy="0"/>
+          <a:chOff x="0" y="0"/>
+          <a:chExt cx="0" cy="0"/>
+        </a:xfrm>
+      </p:grpSpPr>
+      <p:sp>
+        <p:nvSpPr>
+          <p:cNvPr id="2" name="Titre 1"/>
+          <p:cNvSpPr>
+            <a:spLocks noGrp="1"/>
+          </p:cNvSpPr>
+          <p:nvPr>
+            <p:ph type="title"/>
+          </p:nvPr>
+        </p:nvSpPr>
+        <p:spPr>
+          <a:xfrm>
+            <a:off x="500034" y="4786322"/>
+            <a:ext cx="8183880" cy="1051560"/>
+          </a:xfrm>
+        </p:spPr>
+        <p:txBody>
+          <a:bodyPr/>
+          <a:lstStyle/>
+          <a:p>
+            <a:r>
+              <a:rPr lang="fr-FR" dirty="0" smtClean="0"/>
+              <a:t>Problème &amp; Résolution</a:t>
+            </a:r>
+            <a:endParaRPr lang="fr-FR" dirty="0"/>
+          </a:p>
+        </p:txBody>
+      </p:sp>
+      <p:sp>
+        <p:nvSpPr>
+          <p:cNvPr id="3" name="Espace réservé du contenu 2"/>
+          <p:cNvSpPr>
+            <a:spLocks noGrp="1"/>
+          </p:cNvSpPr>
+          <p:nvPr>
+            <p:ph idx="1"/>
+          </p:nvPr>
+        </p:nvSpPr>
+        <p:spPr/>
+        <p:txBody>
+          <a:bodyPr/>
+          <a:lstStyle/>
+          <a:p>
+            <a:endParaRPr lang="fr-FR" sz="2400" dirty="0" smtClean="0"/>
+          </a:p>
+          <a:p>
+            <a:endParaRPr lang="fr-FR" sz="2400" dirty="0" smtClean="0"/>
+          </a:p>
+          <a:p>
+            <a:endParaRPr lang="fr-FR" sz="2400" dirty="0" smtClean="0"/>
+          </a:p>
+          <a:p>
+            <a:r>
+              <a:rPr lang="fr-FR" sz="2400" dirty="0" smtClean="0"/>
+              <a:t>Code en .</a:t>
+            </a:r>
+            <a:r>
+              <a:rPr lang="fr-FR" sz="2400" dirty="0" err="1" smtClean="0"/>
+              <a:t>php</a:t>
+            </a:r>
+            <a:r>
+              <a:rPr lang="fr-FR" sz="2400" dirty="0" smtClean="0"/>
+              <a:t> pour générer un code pour l’utilisateur</a:t>
+            </a:r>
+          </a:p>
+          <a:p>
+            <a:r>
+              <a:rPr lang="fr-FR" sz="2400" dirty="0" smtClean="0"/>
+              <a:t>Faire le lien entre la base de donnée et le site</a:t>
+            </a:r>
+            <a:endParaRPr lang="fr-FR" sz="2400" dirty="0" smtClean="0"/>
+          </a:p>
+          <a:p>
+            <a:pPr>
+              <a:buNone/>
+            </a:pPr>
+            <a:endParaRPr lang="fr-FR" dirty="0"/>
+          </a:p>
+        </p:txBody>
+      </p:sp>
+    </p:spTree>
+  </p:cSld>
+  <p:clrMapOvr>
+    <a:masterClrMapping/>
+  </p:clrMapOvr>
+  <p:timing>
+    <p:tnLst>
+      <p:par>
+        <p:cTn id="1" dur="indefinite" restart="never" nodeType="tmRoot"/>
+      </p:par>
+    </p:tnLst>
+  </p:timing>
+</p:sld>
+</file>
+
+<file path=ppt/slides/slide8.xml><?xml version="1.0" encoding="utf-8"?>
+<p:sld xmlns:a="http://schemas.openxmlformats.org/drawingml/2006/main" xmlns:r="http://schemas.openxmlformats.org/officeDocument/2006/relationships" xmlns:p="http://schemas.openxmlformats.org/presentationml/2006/main">
+  <p:cSld>
+    <p:spTree>
+      <p:nvGrpSpPr>
+        <p:cNvPr id="1" name=""/>
+        <p:cNvGrpSpPr/>
+        <p:nvPr/>
+      </p:nvGrpSpPr>
+      <p:grpSpPr>
+        <a:xfrm>
+          <a:off x="0" y="0"/>
+          <a:ext cx="0" cy="0"/>
+          <a:chOff x="0" y="0"/>
+          <a:chExt cx="0" cy="0"/>
+        </a:xfrm>
+      </p:grpSpPr>
+      <p:sp>
+        <p:nvSpPr>
+          <p:cNvPr id="2" name="Titre 1"/>
+          <p:cNvSpPr>
+            <a:spLocks noGrp="1"/>
+          </p:cNvSpPr>
+          <p:nvPr>
+            <p:ph type="title"/>
+          </p:nvPr>
+        </p:nvSpPr>
+        <p:spPr>
+          <a:xfrm>
+            <a:off x="500034" y="2571744"/>
+            <a:ext cx="8183880" cy="1051560"/>
+          </a:xfrm>
+        </p:spPr>
+        <p:txBody>
+          <a:bodyPr/>
+          <a:lstStyle/>
+          <a:p>
+            <a:pPr algn="ctr"/>
+            <a:r>
+              <a:rPr lang="fr-FR" dirty="0" smtClean="0"/>
+              <a:t>MERCI </a:t>
+            </a:r>
+            <a:endParaRPr lang="fr-FR" dirty="0"/>
+          </a:p>
+        </p:txBody>
+      </p:sp>
+    </p:spTree>
+  </p:cSld>
+  <p:clrMapOvr>
+    <a:masterClrMapping/>
+  </p:clrMapOvr>
+  <p:timing>
+    <p:tnLst>
+      <p:par>
+        <p:cTn id="1" dur="indefinite" restart="never" nodeType="tmRoot"/>
+      </p:par>
+    </p:tnLst>
+  </p:timing>
 </p:sld>
 </file>
 
